--- a/STEP-RoadShow(Draft).pptx
+++ b/STEP-RoadShow(Draft).pptx
@@ -3313,6 +3313,16 @@
 <file path=ppt/slides/slide1.xml><?xml version="1.0" encoding="utf-8"?>
 <p:sld xmlns:a="http://schemas.openxmlformats.org/drawingml/2006/main" xmlns:r="http://schemas.openxmlformats.org/officeDocument/2006/relationships" xmlns:p="http://schemas.openxmlformats.org/presentationml/2006/main">
   <p:cSld>
+    <p:bg>
+      <p:bgPr>
+        <a:solidFill>
+          <a:srgbClr val="92D050">
+            <a:alpha val="76000"/>
+          </a:srgbClr>
+        </a:solidFill>
+        <a:effectLst/>
+      </p:bgPr>
+    </p:bg>
     <p:spTree>
       <p:nvGrpSpPr>
         <p:cNvPr id="1" name=""/>
@@ -3337,16 +3347,80 @@
             <p:ph type="ctrTitle"/>
           </p:nvPr>
         </p:nvSpPr>
-        <p:spPr/>
-        <p:txBody>
-          <a:bodyPr/>
-          <a:lstStyle/>
-          <a:p>
-            <a:r>
-              <a:rPr kumimoji="1" lang="en-US" altLang="zh-CN" dirty="0" smtClean="0"/>
-              <a:t>Cover</a:t>
-            </a:r>
-            <a:endParaRPr kumimoji="1" lang="zh-CN" altLang="en-US" dirty="0"/>
+        <p:spPr>
+          <a:xfrm>
+            <a:off x="-1571627" y="928687"/>
+            <a:ext cx="14873289" cy="2166938"/>
+          </a:xfrm>
+        </p:spPr>
+        <p:txBody>
+          <a:bodyPr>
+            <a:normAutofit fontScale="90000"/>
+          </a:bodyPr>
+          <a:lstStyle/>
+          <a:p>
+            <a:r>
+              <a:rPr kumimoji="1" lang="en-US" altLang="ja-JP" sz="22100" dirty="0" smtClean="0">
+                <a:solidFill>
+                  <a:schemeClr val="bg1"/>
+                </a:solidFill>
+                <a:latin typeface="Impact" charset="0"/>
+                <a:ea typeface="Impact" charset="0"/>
+                <a:cs typeface="Impact" charset="0"/>
+              </a:rPr>
+              <a:t>STEP </a:t>
+            </a:r>
+            <a:r>
+              <a:rPr kumimoji="1" lang="mr-IN" altLang="ja-JP" dirty="0" smtClean="0">
+                <a:solidFill>
+                  <a:schemeClr val="bg1"/>
+                </a:solidFill>
+                <a:latin typeface="Impact" charset="0"/>
+                <a:ea typeface="Impact" charset="0"/>
+                <a:cs typeface="Impact" charset="0"/>
+              </a:rPr>
+              <a:t>–</a:t>
+            </a:r>
+            <a:r>
+              <a:rPr kumimoji="1" lang="en-US" altLang="ja-JP" dirty="0" smtClean="0">
+                <a:solidFill>
+                  <a:schemeClr val="bg1"/>
+                </a:solidFill>
+                <a:latin typeface="Impact" charset="0"/>
+                <a:ea typeface="Impact" charset="0"/>
+                <a:cs typeface="Impact" charset="0"/>
+              </a:rPr>
+              <a:t> Graduation Roadshow</a:t>
+            </a:r>
+            <a:br>
+              <a:rPr kumimoji="1" lang="en-US" altLang="ja-JP" dirty="0" smtClean="0">
+                <a:solidFill>
+                  <a:schemeClr val="bg1"/>
+                </a:solidFill>
+                <a:latin typeface="Impact" charset="0"/>
+                <a:ea typeface="Impact" charset="0"/>
+                <a:cs typeface="Impact" charset="0"/>
+              </a:rPr>
+            </a:br>
+            <a:r>
+              <a:rPr kumimoji="1" lang="en-US" altLang="ja-JP" sz="4400" dirty="0" smtClean="0">
+                <a:solidFill>
+                  <a:schemeClr val="bg1"/>
+                </a:solidFill>
+                <a:latin typeface="Impact" charset="0"/>
+                <a:ea typeface="Impact" charset="0"/>
+                <a:cs typeface="Impact" charset="0"/>
+              </a:rPr>
+              <a:t>Group 2</a:t>
+            </a:r>
+            <a:endParaRPr kumimoji="1" lang="zh-CN" altLang="en-US" sz="4400" dirty="0">
+              <a:solidFill>
+                <a:schemeClr val="bg1"/>
+              </a:solidFill>
+              <a:latin typeface="Impact" charset="0"/>
+              <a:ea typeface="Impact" charset="0"/>
+              <a:cs typeface="Impact" charset="0"/>
+            </a:endParaRPr>
           </a:p>
         </p:txBody>
       </p:sp>
@@ -3360,14 +3434,39 @@
             <p:ph type="subTitle" idx="1"/>
           </p:nvPr>
         </p:nvSpPr>
-        <p:spPr/>
-        <p:txBody>
-          <a:bodyPr/>
-          <a:lstStyle/>
-          <a:p>
-            <a:r>
-              <a:rPr kumimoji="1" lang="en-US" altLang="zh-CN" dirty="0" smtClean="0"/>
-              <a:t>Title</a:t>
+        <p:spPr>
+          <a:xfrm>
+            <a:off x="1524000" y="4286250"/>
+            <a:ext cx="9144000" cy="971550"/>
+          </a:xfrm>
+        </p:spPr>
+        <p:txBody>
+          <a:bodyPr/>
+          <a:lstStyle/>
+          <a:p>
+            <a:r>
+              <a:rPr kumimoji="1" lang="en-US" altLang="zh-CN" dirty="0" smtClean="0">
+                <a:solidFill>
+                  <a:schemeClr val="bg1"/>
+                </a:solidFill>
+              </a:rPr>
+              <a:t>Communication for Better </a:t>
+            </a:r>
+            <a:r>
+              <a:rPr kumimoji="1" lang="en-US" altLang="zh-CN" dirty="0">
+                <a:solidFill>
+                  <a:schemeClr val="bg1"/>
+                </a:solidFill>
+              </a:rPr>
+              <a:t>R</a:t>
+            </a:r>
+            <a:r>
+              <a:rPr kumimoji="1" lang="en-US" altLang="zh-CN" dirty="0" smtClean="0">
+                <a:solidFill>
+                  <a:schemeClr val="bg1"/>
+                </a:solidFill>
+              </a:rPr>
+              <a:t>elationships</a:t>
             </a:r>
           </a:p>
           <a:p>
@@ -3385,12 +3484,30 @@
   <p:clrMapOvr>
     <a:masterClrMapping/>
   </p:clrMapOvr>
+  <p:timing>
+    <p:tnLst>
+      <p:par>
+        <p:cTn id="1" dur="indefinite" restart="never" nodeType="tmRoot"/>
+      </p:par>
+    </p:tnLst>
+  </p:timing>
 </p:sld>
 </file>
 
 <file path=ppt/slides/slide10.xml><?xml version="1.0" encoding="utf-8"?>
 <p:sld xmlns:a="http://schemas.openxmlformats.org/drawingml/2006/main" xmlns:r="http://schemas.openxmlformats.org/officeDocument/2006/relationships" xmlns:p="http://schemas.openxmlformats.org/presentationml/2006/main">
   <p:cSld>
+    <p:bg>
+      <p:bgPr>
+        <a:solidFill>
+          <a:schemeClr val="accent6">
+            <a:lumMod val="20000"/>
+            <a:lumOff val="80000"/>
+          </a:schemeClr>
+        </a:solidFill>
+        <a:effectLst/>
+      </p:bgPr>
+    </p:bg>
     <p:spTree>
       <p:nvGrpSpPr>
         <p:cNvPr id="1" name=""/>
@@ -3491,6 +3608,17 @@
 <file path=ppt/slides/slide11.xml><?xml version="1.0" encoding="utf-8"?>
 <p:sld xmlns:a="http://schemas.openxmlformats.org/drawingml/2006/main" xmlns:r="http://schemas.openxmlformats.org/officeDocument/2006/relationships" xmlns:p="http://schemas.openxmlformats.org/presentationml/2006/main">
   <p:cSld>
+    <p:bg>
+      <p:bgPr>
+        <a:solidFill>
+          <a:schemeClr val="accent6">
+            <a:lumMod val="20000"/>
+            <a:lumOff val="80000"/>
+          </a:schemeClr>
+        </a:solidFill>
+        <a:effectLst/>
+      </p:bgPr>
+    </p:bg>
     <p:spTree>
       <p:nvGrpSpPr>
         <p:cNvPr id="1" name=""/>
@@ -3566,6 +3694,17 @@
 <file path=ppt/slides/slide2.xml><?xml version="1.0" encoding="utf-8"?>
 <p:sld xmlns:a="http://schemas.openxmlformats.org/drawingml/2006/main" xmlns:r="http://schemas.openxmlformats.org/officeDocument/2006/relationships" xmlns:p="http://schemas.openxmlformats.org/presentationml/2006/main">
   <p:cSld>
+    <p:bg>
+      <p:bgPr>
+        <a:solidFill>
+          <a:schemeClr val="accent6">
+            <a:lumMod val="20000"/>
+            <a:lumOff val="80000"/>
+          </a:schemeClr>
+        </a:solidFill>
+        <a:effectLst/>
+      </p:bgPr>
+    </p:bg>
     <p:spTree>
       <p:nvGrpSpPr>
         <p:cNvPr id="1" name=""/>
@@ -3596,10 +3735,24 @@
           <a:lstStyle/>
           <a:p>
             <a:r>
-              <a:rPr kumimoji="1" lang="en-US" altLang="zh-CN" dirty="0" smtClean="0"/>
+              <a:rPr kumimoji="1" lang="en-US" altLang="zh-CN" dirty="0" smtClean="0">
+                <a:solidFill>
+                  <a:schemeClr val="bg1"/>
+                </a:solidFill>
+                <a:latin typeface="Impact" charset="0"/>
+                <a:ea typeface="Impact" charset="0"/>
+                <a:cs typeface="Impact" charset="0"/>
+              </a:rPr>
               <a:t>Team Member Introduction</a:t>
             </a:r>
-            <a:endParaRPr kumimoji="1" lang="zh-CN" altLang="en-US" dirty="0"/>
+            <a:endParaRPr kumimoji="1" lang="zh-CN" altLang="en-US" dirty="0">
+              <a:solidFill>
+                <a:schemeClr val="bg1"/>
+              </a:solidFill>
+              <a:latin typeface="Impact" charset="0"/>
+              <a:ea typeface="Impact" charset="0"/>
+              <a:cs typeface="Impact" charset="0"/>
+            </a:endParaRPr>
           </a:p>
         </p:txBody>
       </p:sp>
@@ -3632,12 +3785,30 @@
   <p:clrMapOvr>
     <a:masterClrMapping/>
   </p:clrMapOvr>
+  <p:timing>
+    <p:tnLst>
+      <p:par>
+        <p:cTn id="1" dur="indefinite" restart="never" nodeType="tmRoot"/>
+      </p:par>
+    </p:tnLst>
+  </p:timing>
 </p:sld>
 </file>
 
 <file path=ppt/slides/slide3.xml><?xml version="1.0" encoding="utf-8"?>
 <p:sld xmlns:a="http://schemas.openxmlformats.org/drawingml/2006/main" xmlns:r="http://schemas.openxmlformats.org/officeDocument/2006/relationships" xmlns:p="http://schemas.openxmlformats.org/presentationml/2006/main">
   <p:cSld>
+    <p:bg>
+      <p:bgPr>
+        <a:solidFill>
+          <a:schemeClr val="accent6">
+            <a:lumMod val="20000"/>
+            <a:lumOff val="80000"/>
+          </a:schemeClr>
+        </a:solidFill>
+        <a:effectLst/>
+      </p:bgPr>
+    </p:bg>
     <p:spTree>
       <p:nvGrpSpPr>
         <p:cNvPr id="1" name=""/>
@@ -3734,6 +3905,17 @@
 <file path=ppt/slides/slide4.xml><?xml version="1.0" encoding="utf-8"?>
 <p:sld xmlns:a="http://schemas.openxmlformats.org/drawingml/2006/main" xmlns:r="http://schemas.openxmlformats.org/officeDocument/2006/relationships" xmlns:p="http://schemas.openxmlformats.org/presentationml/2006/main">
   <p:cSld>
+    <p:bg>
+      <p:bgPr>
+        <a:solidFill>
+          <a:schemeClr val="accent6">
+            <a:lumMod val="20000"/>
+            <a:lumOff val="80000"/>
+          </a:schemeClr>
+        </a:solidFill>
+        <a:effectLst/>
+      </p:bgPr>
+    </p:bg>
     <p:spTree>
       <p:nvGrpSpPr>
         <p:cNvPr id="1" name=""/>
@@ -3851,6 +4033,17 @@
 <file path=ppt/slides/slide5.xml><?xml version="1.0" encoding="utf-8"?>
 <p:sld xmlns:a="http://schemas.openxmlformats.org/drawingml/2006/main" xmlns:r="http://schemas.openxmlformats.org/officeDocument/2006/relationships" xmlns:p="http://schemas.openxmlformats.org/presentationml/2006/main">
   <p:cSld>
+    <p:bg>
+      <p:bgPr>
+        <a:solidFill>
+          <a:schemeClr val="accent6">
+            <a:lumMod val="20000"/>
+            <a:lumOff val="80000"/>
+          </a:schemeClr>
+        </a:solidFill>
+        <a:effectLst/>
+      </p:bgPr>
+    </p:bg>
     <p:spTree>
       <p:nvGrpSpPr>
         <p:cNvPr id="1" name=""/>
@@ -3972,6 +4165,17 @@
 <file path=ppt/slides/slide6.xml><?xml version="1.0" encoding="utf-8"?>
 <p:sld xmlns:a="http://schemas.openxmlformats.org/drawingml/2006/main" xmlns:r="http://schemas.openxmlformats.org/officeDocument/2006/relationships" xmlns:p="http://schemas.openxmlformats.org/presentationml/2006/main">
   <p:cSld>
+    <p:bg>
+      <p:bgPr>
+        <a:solidFill>
+          <a:schemeClr val="accent6">
+            <a:lumMod val="20000"/>
+            <a:lumOff val="80000"/>
+          </a:schemeClr>
+        </a:solidFill>
+        <a:effectLst/>
+      </p:bgPr>
+    </p:bg>
     <p:spTree>
       <p:nvGrpSpPr>
         <p:cNvPr id="1" name=""/>
@@ -4088,6 +4292,17 @@
 <file path=ppt/slides/slide7.xml><?xml version="1.0" encoding="utf-8"?>
 <p:sld xmlns:a="http://schemas.openxmlformats.org/drawingml/2006/main" xmlns:r="http://schemas.openxmlformats.org/officeDocument/2006/relationships" xmlns:p="http://schemas.openxmlformats.org/presentationml/2006/main">
   <p:cSld>
+    <p:bg>
+      <p:bgPr>
+        <a:solidFill>
+          <a:schemeClr val="accent6">
+            <a:lumMod val="20000"/>
+            <a:lumOff val="80000"/>
+          </a:schemeClr>
+        </a:solidFill>
+        <a:effectLst/>
+      </p:bgPr>
+    </p:bg>
     <p:spTree>
       <p:nvGrpSpPr>
         <p:cNvPr id="1" name=""/>
@@ -4156,11 +4371,7 @@
             <a:pPr lvl="1"/>
             <a:r>
               <a:rPr kumimoji="1" lang="en-US" altLang="zh-CN" dirty="0" smtClean="0"/>
-              <a:t>Bring MVS </a:t>
-            </a:r>
-            <a:r>
-              <a:rPr kumimoji="1" lang="en-US" altLang="zh-CN" smtClean="0"/>
-              <a:t>into consideration? </a:t>
+              <a:t>Bring MVS into consideration? </a:t>
             </a:r>
             <a:endParaRPr kumimoji="1" lang="zh-CN" altLang="en-US" dirty="0"/>
           </a:p>
@@ -4182,6 +4393,17 @@
 <file path=ppt/slides/slide8.xml><?xml version="1.0" encoding="utf-8"?>
 <p:sld xmlns:a="http://schemas.openxmlformats.org/drawingml/2006/main" xmlns:r="http://schemas.openxmlformats.org/officeDocument/2006/relationships" xmlns:p="http://schemas.openxmlformats.org/presentationml/2006/main">
   <p:cSld>
+    <p:bg>
+      <p:bgPr>
+        <a:solidFill>
+          <a:schemeClr val="accent6">
+            <a:lumMod val="20000"/>
+            <a:lumOff val="80000"/>
+          </a:schemeClr>
+        </a:solidFill>
+        <a:effectLst/>
+      </p:bgPr>
+    </p:bg>
     <p:spTree>
       <p:nvGrpSpPr>
         <p:cNvPr id="1" name=""/>
@@ -4308,6 +4530,17 @@
 <file path=ppt/slides/slide9.xml><?xml version="1.0" encoding="utf-8"?>
 <p:sld xmlns:a="http://schemas.openxmlformats.org/drawingml/2006/main" xmlns:r="http://schemas.openxmlformats.org/officeDocument/2006/relationships" xmlns:p="http://schemas.openxmlformats.org/presentationml/2006/main">
   <p:cSld>
+    <p:bg>
+      <p:bgPr>
+        <a:solidFill>
+          <a:schemeClr val="accent6">
+            <a:lumMod val="20000"/>
+            <a:lumOff val="80000"/>
+          </a:schemeClr>
+        </a:solidFill>
+        <a:effectLst/>
+      </p:bgPr>
+    </p:bg>
     <p:spTree>
       <p:nvGrpSpPr>
         <p:cNvPr id="1" name=""/>
